--- a/tirgul/Node and azure.pptx
+++ b/tirgul/Node and azure.pptx
@@ -5976,13 +5976,8 @@
             <a:pPr algn="l" rtl="0"/>
             <a:r>
               <a:rPr lang="en-US" dirty="0" smtClean="0"/>
-              <a:t>2. Azure VM – running </a:t>
-            </a:r>
-            <a:r>
-              <a:rPr lang="en-US" smtClean="0"/>
-              <a:t>it inside a VM</a:t>
-            </a:r>
-            <a:endParaRPr lang="en-US" dirty="0" smtClean="0"/>
+              <a:t>2. Azure VM – running it inside a VM</a:t>
+            </a:r>
           </a:p>
         </p:txBody>
       </p:sp>

--- a/tirgul/Node and azure.pptx
+++ b/tirgul/Node and azure.pptx
@@ -13,7 +13,9 @@
     <p:sldId id="261" r:id="rId7"/>
     <p:sldId id="263" r:id="rId8"/>
     <p:sldId id="262" r:id="rId9"/>
-    <p:sldId id="264" r:id="rId10"/>
+    <p:sldId id="265" r:id="rId10"/>
+    <p:sldId id="266" r:id="rId11"/>
+    <p:sldId id="264" r:id="rId12"/>
   </p:sldIdLst>
   <p:sldSz cx="12192000" cy="6858000"/>
   <p:notesSz cx="6858000" cy="9144000"/>
@@ -112,6 +114,11 @@
       </a:defRPr>
     </a:lvl9pPr>
   </p:defaultTextStyle>
+  <p:extLst>
+    <p:ext uri="{EFAFB233-063F-42B5-8137-9DF3F51BA10A}">
+      <p15:sldGuideLst xmlns:p15="http://schemas.microsoft.com/office/powerpoint/2012/main"/>
+    </p:ext>
+  </p:extLst>
 </p:presentation>
 </file>
 
@@ -267,7 +274,7 @@
           <a:p>
             <a:fld id="{6AD6EE87-EBD5-4F12-A48A-63ACA297AC8F}" type="datetimeFigureOut">
               <a:rPr lang="en-US" dirty="0"/>
-              <a:t>01-May-16</a:t>
+              <a:t>03-May-16</a:t>
             </a:fld>
             <a:endParaRPr lang="en-US" dirty="0"/>
           </a:p>
@@ -515,7 +522,7 @@
           <a:p>
             <a:fld id="{4CD73815-2707-4475-8F1A-B873CB631BB4}" type="datetimeFigureOut">
               <a:rPr lang="en-US" dirty="0"/>
-              <a:t>01-May-16</a:t>
+              <a:t>03-May-16</a:t>
             </a:fld>
             <a:endParaRPr lang="en-US" dirty="0"/>
           </a:p>
@@ -690,7 +697,7 @@
           <a:p>
             <a:fld id="{2A4AFB99-0EAB-4182-AFF8-E214C82A68F6}" type="datetimeFigureOut">
               <a:rPr lang="en-US" dirty="0"/>
-              <a:t>01-May-16</a:t>
+              <a:t>03-May-16</a:t>
             </a:fld>
             <a:endParaRPr lang="en-US" dirty="0"/>
           </a:p>
@@ -890,7 +897,7 @@
           <a:p>
             <a:fld id="{A5D3794B-289A-4A80-97D7-111025398D45}" type="datetimeFigureOut">
               <a:rPr lang="en-US" dirty="0"/>
-              <a:t>01-May-16</a:t>
+              <a:t>03-May-16</a:t>
             </a:fld>
             <a:endParaRPr lang="en-US" dirty="0"/>
           </a:p>
@@ -1142,7 +1149,7 @@
           <a:p>
             <a:fld id="{5A61015F-7CC6-4D0A-9D87-873EA4C304CC}" type="datetimeFigureOut">
               <a:rPr lang="en-US" dirty="0"/>
-              <a:t>01-May-16</a:t>
+              <a:t>03-May-16</a:t>
             </a:fld>
             <a:endParaRPr lang="en-US" dirty="0"/>
           </a:p>
@@ -1457,7 +1464,7 @@
           <a:p>
             <a:fld id="{93C6A301-0538-44EC-B09D-202E1042A48B}" type="datetimeFigureOut">
               <a:rPr lang="en-US" dirty="0"/>
-              <a:t>01-May-16</a:t>
+              <a:t>03-May-16</a:t>
             </a:fld>
             <a:endParaRPr lang="en-US" dirty="0"/>
           </a:p>
@@ -1850,7 +1857,7 @@
           <a:p>
             <a:fld id="{D789574A-8875-45EF-8EA2-3CAA0F7ABC4C}" type="datetimeFigureOut">
               <a:rPr lang="en-US" dirty="0"/>
-              <a:t>01-May-16</a:t>
+              <a:t>03-May-16</a:t>
             </a:fld>
             <a:endParaRPr lang="en-US" dirty="0"/>
           </a:p>
@@ -1963,7 +1970,7 @@
           <a:p>
             <a:fld id="{67EF4D4C-5367-4C26-9E2B-D8088D7FCA81}" type="datetimeFigureOut">
               <a:rPr lang="en-US" dirty="0"/>
-              <a:t>01-May-16</a:t>
+              <a:t>03-May-16</a:t>
             </a:fld>
             <a:endParaRPr lang="en-US" dirty="0"/>
           </a:p>
@@ -2053,7 +2060,7 @@
           <a:p>
             <a:fld id="{56E91E96-98B0-4413-9547-46F3504108EF}" type="datetimeFigureOut">
               <a:rPr lang="en-US" dirty="0"/>
-              <a:t>01-May-16</a:t>
+              <a:t>03-May-16</a:t>
             </a:fld>
             <a:endParaRPr lang="en-US" dirty="0"/>
           </a:p>
@@ -2338,7 +2345,7 @@
           <a:p>
             <a:fld id="{05C68B11-C5A8-448C-8CE9-B1A273C79CFC}" type="datetimeFigureOut">
               <a:rPr lang="en-US" dirty="0"/>
-              <a:t>01-May-16</a:t>
+              <a:t>03-May-16</a:t>
             </a:fld>
             <a:endParaRPr lang="en-US" dirty="0"/>
           </a:p>
@@ -2610,7 +2617,7 @@
           <a:p>
             <a:fld id="{C7616CA0-919D-4A49-9C8A-62FDFB3A5183}" type="datetimeFigureOut">
               <a:rPr lang="en-US" dirty="0"/>
-              <a:t>01-May-16</a:t>
+              <a:t>03-May-16</a:t>
             </a:fld>
             <a:endParaRPr lang="en-US" dirty="0"/>
           </a:p>
@@ -2856,7 +2863,7 @@
             <a:fld id="{90298CD5-6C1E-4009-B41F-6DF62E31D3BE}" type="datetimeFigureOut">
               <a:rPr lang="en-US" dirty="0"/>
               <a:pPr/>
-              <a:t>01-May-16</a:t>
+              <a:t>03-May-16</a:t>
             </a:fld>
             <a:endParaRPr lang="en-US" dirty="0"/>
           </a:p>
@@ -3410,6 +3417,345 @@
   <p:clrMapOvr>
     <a:masterClrMapping/>
   </p:clrMapOvr>
+  <p:timing>
+    <p:tnLst>
+      <p:par>
+        <p:cTn id="1" dur="indefinite" restart="never" nodeType="tmRoot"/>
+      </p:par>
+    </p:tnLst>
+  </p:timing>
+</p:sld>
+</file>
+
+<file path=ppt/slides/slide10.xml><?xml version="1.0" encoding="utf-8"?>
+<p:sld xmlns:a="http://schemas.openxmlformats.org/drawingml/2006/main" xmlns:r="http://schemas.openxmlformats.org/officeDocument/2006/relationships" xmlns:p="http://schemas.openxmlformats.org/presentationml/2006/main">
+  <p:cSld>
+    <p:spTree>
+      <p:nvGrpSpPr>
+        <p:cNvPr id="1" name=""/>
+        <p:cNvGrpSpPr/>
+        <p:nvPr/>
+      </p:nvGrpSpPr>
+      <p:grpSpPr>
+        <a:xfrm>
+          <a:off x="0" y="0"/>
+          <a:ext cx="0" cy="0"/>
+          <a:chOff x="0" y="0"/>
+          <a:chExt cx="0" cy="0"/>
+        </a:xfrm>
+      </p:grpSpPr>
+      <p:sp>
+        <p:nvSpPr>
+          <p:cNvPr id="2" name="Title 1"/>
+          <p:cNvSpPr>
+            <a:spLocks noGrp="1"/>
+          </p:cNvSpPr>
+          <p:nvPr>
+            <p:ph type="title"/>
+          </p:nvPr>
+        </p:nvSpPr>
+        <p:spPr/>
+        <p:txBody>
+          <a:bodyPr/>
+          <a:lstStyle/>
+          <a:p>
+            <a:pPr rtl="0"/>
+            <a:r>
+              <a:rPr lang="en-US" dirty="0" smtClean="0"/>
+              <a:t>Express server - app.js example</a:t>
+            </a:r>
+            <a:endParaRPr lang="he-IL" dirty="0"/>
+          </a:p>
+        </p:txBody>
+      </p:sp>
+      <p:pic>
+        <p:nvPicPr>
+          <p:cNvPr id="4" name="Content Placeholder 3"/>
+          <p:cNvPicPr>
+            <a:picLocks noGrp="1" noChangeAspect="1"/>
+          </p:cNvPicPr>
+          <p:nvPr>
+            <p:ph idx="1"/>
+          </p:nvPr>
+        </p:nvPicPr>
+        <p:blipFill>
+          <a:blip r:embed="rId2"/>
+          <a:stretch>
+            <a:fillRect/>
+          </a:stretch>
+        </p:blipFill>
+        <p:spPr>
+          <a:xfrm>
+            <a:off x="746229" y="3470859"/>
+            <a:ext cx="2028825" cy="552450"/>
+          </a:xfrm>
+          <a:prstGeom prst="rect">
+            <a:avLst/>
+          </a:prstGeom>
+        </p:spPr>
+      </p:pic>
+      <p:pic>
+        <p:nvPicPr>
+          <p:cNvPr id="5" name="Picture 4"/>
+          <p:cNvPicPr>
+            <a:picLocks noChangeAspect="1"/>
+          </p:cNvPicPr>
+          <p:nvPr/>
+        </p:nvPicPr>
+        <p:blipFill>
+          <a:blip r:embed="rId3"/>
+          <a:stretch>
+            <a:fillRect/>
+          </a:stretch>
+        </p:blipFill>
+        <p:spPr>
+          <a:xfrm>
+            <a:off x="746229" y="2239491"/>
+            <a:ext cx="3324225" cy="571500"/>
+          </a:xfrm>
+          <a:prstGeom prst="rect">
+            <a:avLst/>
+          </a:prstGeom>
+        </p:spPr>
+      </p:pic>
+      <p:sp>
+        <p:nvSpPr>
+          <p:cNvPr id="6" name="TextBox 5"/>
+          <p:cNvSpPr txBox="1"/>
+          <p:nvPr/>
+        </p:nvSpPr>
+        <p:spPr>
+          <a:xfrm>
+            <a:off x="756473" y="1870159"/>
+            <a:ext cx="4037162" cy="369332"/>
+          </a:xfrm>
+          <a:prstGeom prst="rect">
+            <a:avLst/>
+          </a:prstGeom>
+          <a:noFill/>
+        </p:spPr>
+        <p:txBody>
+          <a:bodyPr wrap="square" rtlCol="1">
+            <a:spAutoFit/>
+          </a:bodyPr>
+          <a:lstStyle/>
+          <a:p>
+            <a:r>
+              <a:rPr lang="en-US" dirty="0" smtClean="0"/>
+              <a:t>We require the routing files</a:t>
+            </a:r>
+            <a:endParaRPr lang="he-IL" dirty="0"/>
+          </a:p>
+        </p:txBody>
+      </p:sp>
+      <p:sp>
+        <p:nvSpPr>
+          <p:cNvPr id="7" name="TextBox 6"/>
+          <p:cNvSpPr txBox="1"/>
+          <p:nvPr/>
+        </p:nvSpPr>
+        <p:spPr>
+          <a:xfrm>
+            <a:off x="746229" y="3101527"/>
+            <a:ext cx="3942271" cy="369332"/>
+          </a:xfrm>
+          <a:prstGeom prst="rect">
+            <a:avLst/>
+          </a:prstGeom>
+          <a:noFill/>
+        </p:spPr>
+        <p:txBody>
+          <a:bodyPr wrap="square" rtlCol="1">
+            <a:spAutoFit/>
+          </a:bodyPr>
+          <a:lstStyle/>
+          <a:p>
+            <a:r>
+              <a:rPr lang="en-US" dirty="0" smtClean="0"/>
+              <a:t>Then we define when to route to each</a:t>
+            </a:r>
+            <a:endParaRPr lang="he-IL" dirty="0"/>
+          </a:p>
+        </p:txBody>
+      </p:sp>
+      <p:pic>
+        <p:nvPicPr>
+          <p:cNvPr id="8" name="Picture 7"/>
+          <p:cNvPicPr>
+            <a:picLocks noChangeAspect="1"/>
+          </p:cNvPicPr>
+          <p:nvPr/>
+        </p:nvPicPr>
+        <p:blipFill>
+          <a:blip r:embed="rId4"/>
+          <a:stretch>
+            <a:fillRect/>
+          </a:stretch>
+        </p:blipFill>
+        <p:spPr>
+          <a:xfrm>
+            <a:off x="6563353" y="2239491"/>
+            <a:ext cx="3533775" cy="1171575"/>
+          </a:xfrm>
+          <a:prstGeom prst="rect">
+            <a:avLst/>
+          </a:prstGeom>
+        </p:spPr>
+      </p:pic>
+      <p:sp>
+        <p:nvSpPr>
+          <p:cNvPr id="9" name="TextBox 8"/>
+          <p:cNvSpPr txBox="1"/>
+          <p:nvPr/>
+        </p:nvSpPr>
+        <p:spPr>
+          <a:xfrm>
+            <a:off x="6556075" y="1870159"/>
+            <a:ext cx="3519578" cy="369332"/>
+          </a:xfrm>
+          <a:prstGeom prst="rect">
+            <a:avLst/>
+          </a:prstGeom>
+          <a:noFill/>
+        </p:spPr>
+        <p:txBody>
+          <a:bodyPr wrap="square" rtlCol="1">
+            <a:spAutoFit/>
+          </a:bodyPr>
+          <a:lstStyle/>
+          <a:p>
+            <a:r>
+              <a:rPr lang="en-US" dirty="0" smtClean="0"/>
+              <a:t>Home.js example</a:t>
+            </a:r>
+            <a:endParaRPr lang="he-IL" dirty="0"/>
+          </a:p>
+        </p:txBody>
+      </p:sp>
+    </p:spTree>
+    <p:extLst>
+      <p:ext uri="{BB962C8B-B14F-4D97-AF65-F5344CB8AC3E}">
+        <p14:creationId xmlns:p14="http://schemas.microsoft.com/office/powerpoint/2010/main" val="3714243313"/>
+      </p:ext>
+    </p:extLst>
+  </p:cSld>
+  <p:clrMapOvr>
+    <a:masterClrMapping/>
+  </p:clrMapOvr>
+</p:sld>
+</file>
+
+<file path=ppt/slides/slide11.xml><?xml version="1.0" encoding="utf-8"?>
+<p:sld xmlns:a="http://schemas.openxmlformats.org/drawingml/2006/main" xmlns:r="http://schemas.openxmlformats.org/officeDocument/2006/relationships" xmlns:p="http://schemas.openxmlformats.org/presentationml/2006/main">
+  <p:cSld>
+    <p:spTree>
+      <p:nvGrpSpPr>
+        <p:cNvPr id="1" name=""/>
+        <p:cNvGrpSpPr/>
+        <p:nvPr/>
+      </p:nvGrpSpPr>
+      <p:grpSpPr>
+        <a:xfrm>
+          <a:off x="0" y="0"/>
+          <a:ext cx="0" cy="0"/>
+          <a:chOff x="0" y="0"/>
+          <a:chExt cx="0" cy="0"/>
+        </a:xfrm>
+      </p:grpSpPr>
+      <p:sp>
+        <p:nvSpPr>
+          <p:cNvPr id="2" name="Title 1"/>
+          <p:cNvSpPr>
+            <a:spLocks noGrp="1"/>
+          </p:cNvSpPr>
+          <p:nvPr>
+            <p:ph type="title"/>
+          </p:nvPr>
+        </p:nvSpPr>
+        <p:spPr/>
+        <p:txBody>
+          <a:bodyPr/>
+          <a:lstStyle/>
+          <a:p>
+            <a:r>
+              <a:rPr lang="en-US" dirty="0" smtClean="0"/>
+              <a:t>Mongo and azure</a:t>
+            </a:r>
+            <a:endParaRPr lang="he-IL" dirty="0"/>
+          </a:p>
+        </p:txBody>
+      </p:sp>
+      <p:sp>
+        <p:nvSpPr>
+          <p:cNvPr id="3" name="Content Placeholder 2"/>
+          <p:cNvSpPr>
+            <a:spLocks noGrp="1"/>
+          </p:cNvSpPr>
+          <p:nvPr>
+            <p:ph idx="1"/>
+          </p:nvPr>
+        </p:nvSpPr>
+        <p:spPr/>
+        <p:txBody>
+          <a:bodyPr/>
+          <a:lstStyle/>
+          <a:p>
+            <a:pPr algn="l" rtl="0"/>
+            <a:r>
+              <a:rPr lang="en-US" dirty="0" smtClean="0"/>
+              <a:t>We need a way to run Mongo backend</a:t>
+            </a:r>
+          </a:p>
+          <a:p>
+            <a:pPr algn="l" rtl="0"/>
+            <a:r>
+              <a:rPr lang="en-US" dirty="0" smtClean="0"/>
+              <a:t>There are two ways:</a:t>
+            </a:r>
+          </a:p>
+          <a:p>
+            <a:pPr algn="l" rtl="0"/>
+            <a:r>
+              <a:rPr lang="en-US" dirty="0" smtClean="0"/>
+              <a:t>1. </a:t>
+            </a:r>
+            <a:r>
+              <a:rPr lang="en-US" dirty="0" smtClean="0">
+                <a:hlinkClick r:id="rId2"/>
+              </a:rPr>
+              <a:t>mLab</a:t>
+            </a:r>
+            <a:r>
+              <a:rPr lang="en-US" dirty="0" smtClean="0"/>
+              <a:t> – a host for your Database, free up to 0.5Gb</a:t>
+            </a:r>
+          </a:p>
+          <a:p>
+            <a:pPr algn="l" rtl="0"/>
+            <a:r>
+              <a:rPr lang="en-US" dirty="0" smtClean="0"/>
+              <a:t>2. Azure VM – running it inside a VM</a:t>
+            </a:r>
+          </a:p>
+        </p:txBody>
+      </p:sp>
+    </p:spTree>
+    <p:extLst>
+      <p:ext uri="{BB962C8B-B14F-4D97-AF65-F5344CB8AC3E}">
+        <p14:creationId xmlns:p14="http://schemas.microsoft.com/office/powerpoint/2010/main" val="1448662878"/>
+      </p:ext>
+    </p:extLst>
+  </p:cSld>
+  <p:clrMapOvr>
+    <a:masterClrMapping/>
+  </p:clrMapOvr>
+  <p:timing>
+    <p:tnLst>
+      <p:par>
+        <p:cTn id="1" dur="indefinite" restart="never" nodeType="tmRoot"/>
+      </p:par>
+    </p:tnLst>
+  </p:timing>
 </p:sld>
 </file>
 
@@ -3501,6 +3847,13 @@
   <p:clrMapOvr>
     <a:masterClrMapping/>
   </p:clrMapOvr>
+  <p:timing>
+    <p:tnLst>
+      <p:par>
+        <p:cTn id="1" dur="indefinite" restart="never" nodeType="tmRoot"/>
+      </p:par>
+    </p:tnLst>
+  </p:timing>
 </p:sld>
 </file>
 
@@ -3553,7 +3906,7 @@
         <p:spPr>
           <a:xfrm>
             <a:off x="656705" y="2084832"/>
-            <a:ext cx="7764088" cy="2585323"/>
+            <a:ext cx="7764088" cy="2862322"/>
           </a:xfrm>
           <a:prstGeom prst="rect">
             <a:avLst/>
@@ -3607,8 +3960,47 @@
           <a:p>
             <a:r>
               <a:rPr lang="en-US" dirty="0" smtClean="0"/>
-              <a:t>And a base client server will be created for us!</a:t>
-            </a:r>
+              <a:t>And a base client server will be created for us</a:t>
+            </a:r>
+            <a:r>
+              <a:rPr lang="en-US" dirty="0" smtClean="0"/>
+              <a:t>!</a:t>
+            </a:r>
+          </a:p>
+          <a:p>
+            <a:r>
+              <a:rPr lang="en-US" dirty="0" smtClean="0"/>
+              <a:t>(never forget </a:t>
+            </a:r>
+            <a:r>
+              <a:rPr lang="en-US" i="1" dirty="0" smtClean="0"/>
+              <a:t>to </a:t>
+            </a:r>
+            <a:r>
+              <a:rPr lang="en-US" i="1" dirty="0" smtClean="0">
+                <a:solidFill>
+                  <a:srgbClr val="00B0F0"/>
+                </a:solidFill>
+              </a:rPr>
+              <a:t>npm </a:t>
+            </a:r>
+            <a:r>
+              <a:rPr lang="en-US" i="1" dirty="0" smtClean="0"/>
+              <a:t>install –g </a:t>
+            </a:r>
+            <a:r>
+              <a:rPr lang="en-US" i="1" dirty="0" smtClean="0">
+                <a:solidFill>
+                  <a:srgbClr val="92D050"/>
+                </a:solidFill>
+              </a:rPr>
+              <a:t>express</a:t>
+            </a:r>
+            <a:r>
+              <a:rPr lang="en-US" i="1" dirty="0" smtClean="0"/>
+              <a:t>)</a:t>
+            </a:r>
+            <a:endParaRPr lang="en-US" dirty="0" smtClean="0"/>
           </a:p>
           <a:p>
             <a:endParaRPr lang="en-US" dirty="0"/>
@@ -3664,6 +4056,13 @@
   <p:clrMapOvr>
     <a:masterClrMapping/>
   </p:clrMapOvr>
+  <p:timing>
+    <p:tnLst>
+      <p:par>
+        <p:cTn id="1" dur="indefinite" restart="never" nodeType="tmRoot"/>
+      </p:par>
+    </p:tnLst>
+  </p:timing>
 </p:sld>
 </file>
 
@@ -3848,6 +4247,13 @@
   <p:clrMapOvr>
     <a:masterClrMapping/>
   </p:clrMapOvr>
+  <p:timing>
+    <p:tnLst>
+      <p:par>
+        <p:cTn id="1" dur="indefinite" restart="never" nodeType="tmRoot"/>
+      </p:par>
+    </p:tnLst>
+  </p:timing>
 </p:sld>
 </file>
 
@@ -3913,7 +4319,11 @@
           <a:p>
             <a:pPr algn="l" rtl="0"/>
             <a:r>
-              <a:rPr lang="en-US" sz="3200" dirty="0" smtClean="0"/>
+              <a:rPr lang="en-US" sz="3200" dirty="0" smtClean="0">
+                <a:solidFill>
+                  <a:srgbClr val="00B0F0"/>
+                </a:solidFill>
+              </a:rPr>
               <a:t>Bin</a:t>
             </a:r>
             <a:r>
@@ -4385,6 +4795,13 @@
   <p:clrMapOvr>
     <a:masterClrMapping/>
   </p:clrMapOvr>
+  <p:timing>
+    <p:tnLst>
+      <p:par>
+        <p:cTn id="1" dur="indefinite" restart="never" nodeType="tmRoot"/>
+      </p:par>
+    </p:tnLst>
+  </p:timing>
 </p:sld>
 </file>
 
@@ -4448,49 +4865,20 @@
           <a:bodyPr/>
           <a:lstStyle/>
           <a:p>
-            <a:pPr algn="l" rtl="0"/>
+            <a:pPr marL="128016" lvl="1" indent="0" algn="l" rtl="0">
+              <a:buNone/>
+            </a:pPr>
+            <a:r>
+              <a:rPr lang="en-US" sz="2800" dirty="0" smtClean="0">
+                <a:solidFill>
+                  <a:srgbClr val="00B0F0"/>
+                </a:solidFill>
+              </a:rPr>
+              <a:t>Routes</a:t>
+            </a:r>
             <a:r>
               <a:rPr lang="en-US" sz="2800" dirty="0" smtClean="0"/>
-              <a:t>App.js: </a:t>
-            </a:r>
-            <a:r>
-              <a:rPr lang="en-US" sz="1600" dirty="0" smtClean="0"/>
-              <a:t>(or whichever name you’ll want)</a:t>
-            </a:r>
-            <a:endParaRPr lang="en-US" dirty="0" smtClean="0"/>
-          </a:p>
-          <a:p>
-            <a:pPr lvl="1" algn="l" rtl="0"/>
-            <a:r>
-              <a:rPr lang="en-US" dirty="0" smtClean="0"/>
-              <a:t>The main routing file</a:t>
-            </a:r>
-          </a:p>
-          <a:p>
-            <a:pPr lvl="1" algn="l" rtl="0"/>
-            <a:r>
-              <a:rPr lang="en-US" dirty="0" smtClean="0"/>
-              <a:t>Holds the routing settings</a:t>
-            </a:r>
-          </a:p>
-          <a:p>
-            <a:pPr lvl="1" algn="l" rtl="0"/>
-            <a:r>
-              <a:rPr lang="en-US" dirty="0" smtClean="0"/>
-              <a:t>Used to store and manage the routes in the server</a:t>
-            </a:r>
-          </a:p>
-          <a:p>
-            <a:pPr lvl="1" algn="l" rtl="0"/>
-            <a:endParaRPr lang="en-US" dirty="0" smtClean="0"/>
-          </a:p>
-          <a:p>
-            <a:pPr marL="128016" lvl="1" indent="0" algn="l" rtl="0">
-              <a:buNone/>
-            </a:pPr>
-            <a:r>
-              <a:rPr lang="en-US" sz="2800" dirty="0" smtClean="0"/>
-              <a:t>Routes Folder:</a:t>
+              <a:t> Folder:</a:t>
             </a:r>
           </a:p>
           <a:p>
@@ -4506,6 +4894,57 @@
               <a:rPr lang="en-US" dirty="0" smtClean="0"/>
               <a:t>It is accustomed that each route category has its own JS file</a:t>
             </a:r>
+          </a:p>
+          <a:p>
+            <a:pPr lvl="1" algn="l" rtl="0"/>
+            <a:endParaRPr lang="en-US" dirty="0"/>
+          </a:p>
+          <a:p>
+            <a:pPr algn="l" rtl="0"/>
+            <a:r>
+              <a:rPr lang="en-US" sz="2400" dirty="0">
+                <a:solidFill>
+                  <a:srgbClr val="92D050"/>
+                </a:solidFill>
+              </a:rPr>
+              <a:t>App.js</a:t>
+            </a:r>
+            <a:r>
+              <a:rPr lang="en-US" sz="2800" dirty="0"/>
+              <a:t>: </a:t>
+            </a:r>
+            <a:r>
+              <a:rPr lang="en-US" sz="1600" dirty="0"/>
+              <a:t>(or whichever name you’ll want)</a:t>
+            </a:r>
+            <a:endParaRPr lang="en-US" dirty="0"/>
+          </a:p>
+          <a:p>
+            <a:pPr lvl="1" algn="l" rtl="0"/>
+            <a:r>
+              <a:rPr lang="en-US" dirty="0"/>
+              <a:t>The main routing file</a:t>
+            </a:r>
+          </a:p>
+          <a:p>
+            <a:pPr lvl="1" algn="l" rtl="0"/>
+            <a:r>
+              <a:rPr lang="en-US" dirty="0"/>
+              <a:t>Holds the routing settings</a:t>
+            </a:r>
+          </a:p>
+          <a:p>
+            <a:pPr lvl="1" algn="l" rtl="0"/>
+            <a:r>
+              <a:rPr lang="en-US" dirty="0"/>
+              <a:t>Used to store and manage the routes in the server</a:t>
+            </a:r>
+          </a:p>
+          <a:p>
+            <a:pPr marL="128016" lvl="1" indent="0" algn="l" rtl="0">
+              <a:buNone/>
+            </a:pPr>
+            <a:endParaRPr lang="en-US" dirty="0" smtClean="0"/>
           </a:p>
         </p:txBody>
       </p:sp>
@@ -4940,6 +5379,13 @@
   <p:clrMapOvr>
     <a:masterClrMapping/>
   </p:clrMapOvr>
+  <p:timing>
+    <p:tnLst>
+      <p:par>
+        <p:cTn id="1" dur="indefinite" restart="never" nodeType="tmRoot"/>
+      </p:par>
+    </p:tnLst>
+  </p:timing>
 </p:sld>
 </file>
 
@@ -5005,8 +5451,16 @@
           <a:p>
             <a:pPr algn="l" rtl="0"/>
             <a:r>
+              <a:rPr lang="en-US" sz="2800" dirty="0" smtClean="0">
+                <a:solidFill>
+                  <a:srgbClr val="00B0F0"/>
+                </a:solidFill>
+              </a:rPr>
+              <a:t>Views</a:t>
+            </a:r>
+            <a:r>
               <a:rPr lang="en-US" sz="2800" dirty="0" smtClean="0"/>
-              <a:t>Views Folder: </a:t>
+              <a:t> Folder: </a:t>
             </a:r>
             <a:r>
               <a:rPr lang="en-US" sz="2000" i="1" dirty="0" smtClean="0"/>
@@ -5175,8 +5629,16 @@
               <a:buNone/>
             </a:pPr>
             <a:r>
+              <a:rPr lang="en-US" sz="2800" dirty="0" smtClean="0">
+                <a:solidFill>
+                  <a:srgbClr val="00B0F0"/>
+                </a:solidFill>
+              </a:rPr>
+              <a:t>Public</a:t>
+            </a:r>
+            <a:r>
               <a:rPr lang="en-US" sz="2800" dirty="0" smtClean="0"/>
-              <a:t>Public Folder:</a:t>
+              <a:t> Folder:</a:t>
             </a:r>
           </a:p>
           <a:p>
@@ -5613,6 +6075,13 @@
   <p:clrMapOvr>
     <a:masterClrMapping/>
   </p:clrMapOvr>
+  <p:timing>
+    <p:tnLst>
+      <p:par>
+        <p:cTn id="1" dur="indefinite" restart="never" nodeType="tmRoot"/>
+      </p:par>
+    </p:tnLst>
+  </p:timing>
 </p:sld>
 </file>
 
@@ -5690,7 +6159,19 @@
             </a:r>
             <a:r>
               <a:rPr lang="en-US" dirty="0" smtClean="0"/>
-              <a:t>uration file (see what I did here? </a:t>
+              <a:t>uration </a:t>
+            </a:r>
+            <a:r>
+              <a:rPr lang="en-US" dirty="0" smtClean="0">
+                <a:solidFill>
+                  <a:srgbClr val="92D050"/>
+                </a:solidFill>
+              </a:rPr>
+              <a:t>JSON</a:t>
+            </a:r>
+            <a:r>
+              <a:rPr lang="en-US" dirty="0" smtClean="0"/>
+              <a:t> file (see what I did here? </a:t>
             </a:r>
             <a:r>
               <a:rPr lang="en-US" dirty="0" err="1" smtClean="0"/>
@@ -5798,7 +6279,7 @@
               <a:buChar char="§"/>
             </a:pPr>
             <a:r>
-              <a:rPr lang="en-US" sz="1600" dirty="0" err="1">
+              <a:rPr lang="en-US" sz="1600" dirty="0">
                 <a:solidFill>
                   <a:srgbClr val="92D050"/>
                 </a:solidFill>
@@ -5884,6 +6365,13 @@
   <p:clrMapOvr>
     <a:masterClrMapping/>
   </p:clrMapOvr>
+  <p:timing>
+    <p:tnLst>
+      <p:par>
+        <p:cTn id="1" dur="indefinite" restart="never" nodeType="tmRoot"/>
+      </p:par>
+    </p:tnLst>
+  </p:timing>
 </p:sld>
 </file>
 
@@ -5919,72 +6407,176 @@
           <a:bodyPr/>
           <a:lstStyle/>
           <a:p>
+            <a:pPr rtl="0"/>
             <a:r>
               <a:rPr lang="en-US" dirty="0" smtClean="0"/>
-              <a:t>Mongo and azure</a:t>
+              <a:t>Express server – www file example</a:t>
             </a:r>
             <a:endParaRPr lang="he-IL" dirty="0"/>
           </a:p>
         </p:txBody>
       </p:sp>
-      <p:sp>
-        <p:nvSpPr>
-          <p:cNvPr id="3" name="Content Placeholder 2"/>
-          <p:cNvSpPr>
-            <a:spLocks noGrp="1"/>
-          </p:cNvSpPr>
-          <p:nvPr>
-            <p:ph idx="1"/>
-          </p:nvPr>
-        </p:nvSpPr>
-        <p:spPr/>
-        <p:txBody>
-          <a:bodyPr/>
-          <a:lstStyle/>
-          <a:p>
-            <a:pPr algn="l" rtl="0"/>
+      <p:pic>
+        <p:nvPicPr>
+          <p:cNvPr id="5" name="Picture 4"/>
+          <p:cNvPicPr>
+            <a:picLocks noChangeAspect="1"/>
+          </p:cNvPicPr>
+          <p:nvPr/>
+        </p:nvPicPr>
+        <p:blipFill>
+          <a:blip r:embed="rId2"/>
+          <a:stretch>
+            <a:fillRect/>
+          </a:stretch>
+        </p:blipFill>
+        <p:spPr>
+          <a:xfrm>
+            <a:off x="208472" y="2021187"/>
+            <a:ext cx="4114800" cy="676275"/>
+          </a:xfrm>
+          <a:prstGeom prst="rect">
+            <a:avLst/>
+          </a:prstGeom>
+        </p:spPr>
+      </p:pic>
+      <p:pic>
+        <p:nvPicPr>
+          <p:cNvPr id="6" name="Picture 5"/>
+          <p:cNvPicPr>
+            <a:picLocks noChangeAspect="1"/>
+          </p:cNvPicPr>
+          <p:nvPr/>
+        </p:nvPicPr>
+        <p:blipFill>
+          <a:blip r:embed="rId3"/>
+          <a:stretch>
+            <a:fillRect/>
+          </a:stretch>
+        </p:blipFill>
+        <p:spPr>
+          <a:xfrm>
+            <a:off x="7950679" y="2021187"/>
+            <a:ext cx="1905000" cy="209550"/>
+          </a:xfrm>
+          <a:prstGeom prst="rect">
+            <a:avLst/>
+          </a:prstGeom>
+        </p:spPr>
+      </p:pic>
+      <p:sp>
+        <p:nvSpPr>
+          <p:cNvPr id="7" name="TextBox 6"/>
+          <p:cNvSpPr txBox="1"/>
+          <p:nvPr/>
+        </p:nvSpPr>
+        <p:spPr>
+          <a:xfrm>
+            <a:off x="4323272" y="1941296"/>
+            <a:ext cx="3940834" cy="369332"/>
+          </a:xfrm>
+          <a:prstGeom prst="rect">
+            <a:avLst/>
+          </a:prstGeom>
+          <a:noFill/>
+        </p:spPr>
+        <p:txBody>
+          <a:bodyPr wrap="square" rtlCol="1">
+            <a:spAutoFit/>
+          </a:bodyPr>
+          <a:lstStyle/>
+          <a:p>
             <a:r>
               <a:rPr lang="en-US" dirty="0" smtClean="0"/>
-              <a:t>We need a way to run Mongo backend</a:t>
-            </a:r>
-          </a:p>
-          <a:p>
-            <a:pPr algn="l" rtl="0"/>
+              <a:t>Lets use the app file, in app.js we did</a:t>
+            </a:r>
+            <a:endParaRPr lang="he-IL" dirty="0"/>
+          </a:p>
+        </p:txBody>
+      </p:sp>
+      <p:pic>
+        <p:nvPicPr>
+          <p:cNvPr id="8" name="Picture 7"/>
+          <p:cNvPicPr>
+            <a:picLocks noChangeAspect="1"/>
+          </p:cNvPicPr>
+          <p:nvPr/>
+        </p:nvPicPr>
+        <p:blipFill>
+          <a:blip r:embed="rId4"/>
+          <a:stretch>
+            <a:fillRect/>
+          </a:stretch>
+        </p:blipFill>
+        <p:spPr>
+          <a:xfrm>
+            <a:off x="208472" y="2978539"/>
+            <a:ext cx="4600575" cy="3057525"/>
+          </a:xfrm>
+          <a:prstGeom prst="rect">
+            <a:avLst/>
+          </a:prstGeom>
+        </p:spPr>
+      </p:pic>
+      <p:sp>
+        <p:nvSpPr>
+          <p:cNvPr id="9" name="TextBox 8"/>
+          <p:cNvSpPr txBox="1"/>
+          <p:nvPr/>
+        </p:nvSpPr>
+        <p:spPr>
+          <a:xfrm>
+            <a:off x="4977442" y="2978539"/>
+            <a:ext cx="5874588" cy="1200329"/>
+          </a:xfrm>
+          <a:prstGeom prst="rect">
+            <a:avLst/>
+          </a:prstGeom>
+          <a:noFill/>
+        </p:spPr>
+        <p:txBody>
+          <a:bodyPr wrap="square" rtlCol="1">
+            <a:spAutoFit/>
+          </a:bodyPr>
+          <a:lstStyle/>
+          <a:p>
             <a:r>
               <a:rPr lang="en-US" dirty="0" smtClean="0"/>
-              <a:t>There are two ways:</a:t>
-            </a:r>
-          </a:p>
-          <a:p>
-            <a:pPr algn="l" rtl="0"/>
+              <a:t>We start our server and listen to the port we want</a:t>
+            </a:r>
+          </a:p>
+          <a:p>
+            <a:endParaRPr lang="en-US" dirty="0"/>
+          </a:p>
+          <a:p>
+            <a:r>
+              <a:rPr lang="en-US" dirty="0" err="1">
+                <a:solidFill>
+                  <a:srgbClr val="92D050"/>
+                </a:solidFill>
+              </a:rPr>
+              <a:t>p</a:t>
+            </a:r>
+            <a:r>
+              <a:rPr lang="en-US" dirty="0" err="1" smtClean="0">
+                <a:solidFill>
+                  <a:srgbClr val="92D050"/>
+                </a:solidFill>
+              </a:rPr>
+              <a:t>rocess.env.PORT</a:t>
+            </a:r>
             <a:r>
               <a:rPr lang="en-US" dirty="0" smtClean="0"/>
-              <a:t>1. </a:t>
-            </a:r>
-            <a:r>
-              <a:rPr lang="en-US" dirty="0" smtClean="0">
-                <a:hlinkClick r:id="rId2"/>
-              </a:rPr>
-              <a:t>mLab</a:t>
-            </a:r>
-            <a:r>
-              <a:rPr lang="en-US" dirty="0" smtClean="0"/>
-              <a:t> – a host for your Database, free up to 0.5Gb</a:t>
-            </a:r>
-          </a:p>
-          <a:p>
-            <a:pPr algn="l" rtl="0"/>
-            <a:r>
-              <a:rPr lang="en-US" dirty="0" smtClean="0"/>
-              <a:t>2. Azure VM – running it inside a VM</a:t>
-            </a:r>
+              <a:t> – tells the system to try and use it default port</a:t>
+            </a:r>
+            <a:endParaRPr lang="he-IL" dirty="0"/>
           </a:p>
         </p:txBody>
       </p:sp>
     </p:spTree>
     <p:extLst>
       <p:ext uri="{BB962C8B-B14F-4D97-AF65-F5344CB8AC3E}">
-        <p14:creationId xmlns:p14="http://schemas.microsoft.com/office/powerpoint/2010/main" val="1448662878"/>
+        <p14:creationId xmlns:p14="http://schemas.microsoft.com/office/powerpoint/2010/main" val="3444459384"/>
       </p:ext>
     </p:extLst>
   </p:cSld>

--- a/tirgul/Node and azure.pptx
+++ b/tirgul/Node and azure.pptx
@@ -16,6 +16,8 @@
     <p:sldId id="265" r:id="rId10"/>
     <p:sldId id="266" r:id="rId11"/>
     <p:sldId id="264" r:id="rId12"/>
+    <p:sldId id="267" r:id="rId13"/>
+    <p:sldId id="268" r:id="rId14"/>
   </p:sldIdLst>
   <p:sldSz cx="12192000" cy="6858000"/>
   <p:notesSz cx="6858000" cy="9144000"/>
@@ -3759,6 +3761,438 @@
 </p:sld>
 </file>
 
+<file path=ppt/slides/slide12.xml><?xml version="1.0" encoding="utf-8"?>
+<p:sld xmlns:a="http://schemas.openxmlformats.org/drawingml/2006/main" xmlns:r="http://schemas.openxmlformats.org/officeDocument/2006/relationships" xmlns:p="http://schemas.openxmlformats.org/presentationml/2006/main">
+  <p:cSld>
+    <p:spTree>
+      <p:nvGrpSpPr>
+        <p:cNvPr id="1" name=""/>
+        <p:cNvGrpSpPr/>
+        <p:nvPr/>
+      </p:nvGrpSpPr>
+      <p:grpSpPr>
+        <a:xfrm>
+          <a:off x="0" y="0"/>
+          <a:ext cx="0" cy="0"/>
+          <a:chOff x="0" y="0"/>
+          <a:chExt cx="0" cy="0"/>
+        </a:xfrm>
+      </p:grpSpPr>
+      <p:sp>
+        <p:nvSpPr>
+          <p:cNvPr id="2" name="Title 1"/>
+          <p:cNvSpPr>
+            <a:spLocks noGrp="1"/>
+          </p:cNvSpPr>
+          <p:nvPr>
+            <p:ph type="title"/>
+          </p:nvPr>
+        </p:nvSpPr>
+        <p:spPr/>
+        <p:txBody>
+          <a:bodyPr/>
+          <a:lstStyle/>
+          <a:p>
+            <a:pPr rtl="0"/>
+            <a:r>
+              <a:rPr lang="en-US" dirty="0" err="1" smtClean="0"/>
+              <a:t>Mlab</a:t>
+            </a:r>
+            <a:endParaRPr lang="he-IL" dirty="0"/>
+          </a:p>
+        </p:txBody>
+      </p:sp>
+      <p:sp>
+        <p:nvSpPr>
+          <p:cNvPr id="3" name="Content Placeholder 2"/>
+          <p:cNvSpPr>
+            <a:spLocks noGrp="1"/>
+          </p:cNvSpPr>
+          <p:nvPr>
+            <p:ph idx="1"/>
+          </p:nvPr>
+        </p:nvSpPr>
+        <p:spPr/>
+        <p:txBody>
+          <a:bodyPr/>
+          <a:lstStyle/>
+          <a:p>
+            <a:pPr algn="l" rtl="0"/>
+            <a:r>
+              <a:rPr lang="en-US" dirty="0" err="1" smtClean="0"/>
+              <a:t>mLab</a:t>
+            </a:r>
+            <a:r>
+              <a:rPr lang="en-US" dirty="0" smtClean="0"/>
+              <a:t> is a mongo service</a:t>
+            </a:r>
+          </a:p>
+          <a:p>
+            <a:pPr algn="l" rtl="0"/>
+            <a:r>
+              <a:rPr lang="en-US" dirty="0" smtClean="0"/>
+              <a:t>To use </a:t>
+            </a:r>
+            <a:r>
+              <a:rPr lang="en-US" dirty="0" err="1" smtClean="0"/>
+              <a:t>mLab</a:t>
+            </a:r>
+            <a:r>
+              <a:rPr lang="en-US" dirty="0" smtClean="0"/>
+              <a:t>:</a:t>
+            </a:r>
+          </a:p>
+          <a:p>
+            <a:pPr algn="l" rtl="0">
+              <a:buFont typeface="Arial" panose="020B0604020202020204" pitchFamily="34" charset="0"/>
+              <a:buChar char="•"/>
+            </a:pPr>
+            <a:r>
+              <a:rPr lang="en-US" dirty="0"/>
+              <a:t> </a:t>
+            </a:r>
+            <a:r>
+              <a:rPr lang="en-US" dirty="0" smtClean="0"/>
+              <a:t>Go to </a:t>
+            </a:r>
+            <a:r>
+              <a:rPr lang="en-US" dirty="0" err="1">
+                <a:hlinkClick r:id="rId2"/>
+              </a:rPr>
+              <a:t>mLab</a:t>
+            </a:r>
+            <a:r>
+              <a:rPr lang="en-US" dirty="0" smtClean="0"/>
+              <a:t> site</a:t>
+            </a:r>
+          </a:p>
+          <a:p>
+            <a:pPr algn="l" rtl="0">
+              <a:buFont typeface="Arial" panose="020B0604020202020204" pitchFamily="34" charset="0"/>
+              <a:buChar char="•"/>
+            </a:pPr>
+            <a:r>
+              <a:rPr lang="en-US" dirty="0" smtClean="0"/>
+              <a:t> Login</a:t>
+            </a:r>
+          </a:p>
+          <a:p>
+            <a:pPr algn="l" rtl="0">
+              <a:buFont typeface="Arial" panose="020B0604020202020204" pitchFamily="34" charset="0"/>
+              <a:buChar char="•"/>
+            </a:pPr>
+            <a:r>
+              <a:rPr lang="en-US" dirty="0" smtClean="0"/>
+              <a:t> </a:t>
+            </a:r>
+            <a:r>
+              <a:rPr lang="en-US" dirty="0"/>
+              <a:t>C</a:t>
+            </a:r>
+            <a:r>
+              <a:rPr lang="en-US" dirty="0" smtClean="0"/>
+              <a:t>lick Create New</a:t>
+            </a:r>
+          </a:p>
+          <a:p>
+            <a:pPr algn="l" rtl="0">
+              <a:buFont typeface="Arial" panose="020B0604020202020204" pitchFamily="34" charset="0"/>
+              <a:buChar char="•"/>
+            </a:pPr>
+            <a:r>
+              <a:rPr lang="en-US" dirty="0"/>
+              <a:t> </a:t>
+            </a:r>
+            <a:r>
+              <a:rPr lang="en-US" dirty="0" smtClean="0"/>
+              <a:t>Select free single plan</a:t>
+            </a:r>
+          </a:p>
+        </p:txBody>
+      </p:sp>
+      <p:pic>
+        <p:nvPicPr>
+          <p:cNvPr id="4" name="Picture 3"/>
+          <p:cNvPicPr>
+            <a:picLocks noChangeAspect="1"/>
+          </p:cNvPicPr>
+          <p:nvPr/>
+        </p:nvPicPr>
+        <p:blipFill>
+          <a:blip r:embed="rId3"/>
+          <a:stretch>
+            <a:fillRect/>
+          </a:stretch>
+        </p:blipFill>
+        <p:spPr>
+          <a:xfrm>
+            <a:off x="7022117" y="3709898"/>
+            <a:ext cx="5169883" cy="3148102"/>
+          </a:xfrm>
+          <a:prstGeom prst="rect">
+            <a:avLst/>
+          </a:prstGeom>
+        </p:spPr>
+      </p:pic>
+      <p:pic>
+        <p:nvPicPr>
+          <p:cNvPr id="5" name="Picture 4"/>
+          <p:cNvPicPr>
+            <a:picLocks noChangeAspect="1"/>
+          </p:cNvPicPr>
+          <p:nvPr/>
+        </p:nvPicPr>
+        <p:blipFill>
+          <a:blip r:embed="rId4"/>
+          <a:stretch>
+            <a:fillRect/>
+          </a:stretch>
+        </p:blipFill>
+        <p:spPr>
+          <a:xfrm>
+            <a:off x="3407008" y="4162694"/>
+            <a:ext cx="1295400" cy="447675"/>
+          </a:xfrm>
+          <a:prstGeom prst="rect">
+            <a:avLst/>
+          </a:prstGeom>
+        </p:spPr>
+      </p:pic>
+    </p:spTree>
+    <p:extLst>
+      <p:ext uri="{BB962C8B-B14F-4D97-AF65-F5344CB8AC3E}">
+        <p14:creationId xmlns:p14="http://schemas.microsoft.com/office/powerpoint/2010/main" val="600026395"/>
+      </p:ext>
+    </p:extLst>
+  </p:cSld>
+  <p:clrMapOvr>
+    <a:masterClrMapping/>
+  </p:clrMapOvr>
+</p:sld>
+</file>
+
+<file path=ppt/slides/slide13.xml><?xml version="1.0" encoding="utf-8"?>
+<p:sld xmlns:a="http://schemas.openxmlformats.org/drawingml/2006/main" xmlns:r="http://schemas.openxmlformats.org/officeDocument/2006/relationships" xmlns:p="http://schemas.openxmlformats.org/presentationml/2006/main">
+  <p:cSld>
+    <p:spTree>
+      <p:nvGrpSpPr>
+        <p:cNvPr id="1" name=""/>
+        <p:cNvGrpSpPr/>
+        <p:nvPr/>
+      </p:nvGrpSpPr>
+      <p:grpSpPr>
+        <a:xfrm>
+          <a:off x="0" y="0"/>
+          <a:ext cx="0" cy="0"/>
+          <a:chOff x="0" y="0"/>
+          <a:chExt cx="0" cy="0"/>
+        </a:xfrm>
+      </p:grpSpPr>
+      <p:sp>
+        <p:nvSpPr>
+          <p:cNvPr id="2" name="Title 1"/>
+          <p:cNvSpPr>
+            <a:spLocks noGrp="1"/>
+          </p:cNvSpPr>
+          <p:nvPr>
+            <p:ph type="title"/>
+          </p:nvPr>
+        </p:nvSpPr>
+        <p:spPr/>
+        <p:txBody>
+          <a:bodyPr/>
+          <a:lstStyle/>
+          <a:p>
+            <a:pPr rtl="0"/>
+            <a:r>
+              <a:rPr lang="en-US" dirty="0" err="1"/>
+              <a:t>Mlab</a:t>
+            </a:r>
+            <a:endParaRPr lang="he-IL" dirty="0"/>
+          </a:p>
+        </p:txBody>
+      </p:sp>
+      <p:pic>
+        <p:nvPicPr>
+          <p:cNvPr id="4" name="Content Placeholder 3"/>
+          <p:cNvPicPr>
+            <a:picLocks noGrp="1" noChangeAspect="1"/>
+          </p:cNvPicPr>
+          <p:nvPr>
+            <p:ph idx="1"/>
+          </p:nvPr>
+        </p:nvPicPr>
+        <p:blipFill>
+          <a:blip r:embed="rId2"/>
+          <a:stretch>
+            <a:fillRect/>
+          </a:stretch>
+        </p:blipFill>
+        <p:spPr>
+          <a:xfrm>
+            <a:off x="4237434" y="2146618"/>
+            <a:ext cx="7412540" cy="1398839"/>
+          </a:xfrm>
+          <a:prstGeom prst="rect">
+            <a:avLst/>
+          </a:prstGeom>
+        </p:spPr>
+      </p:pic>
+      <p:sp>
+        <p:nvSpPr>
+          <p:cNvPr id="5" name="TextBox 4"/>
+          <p:cNvSpPr txBox="1"/>
+          <p:nvPr/>
+        </p:nvSpPr>
+        <p:spPr>
+          <a:xfrm>
+            <a:off x="810883" y="2146618"/>
+            <a:ext cx="10839091" cy="2308324"/>
+          </a:xfrm>
+          <a:prstGeom prst="rect">
+            <a:avLst/>
+          </a:prstGeom>
+          <a:noFill/>
+        </p:spPr>
+        <p:txBody>
+          <a:bodyPr wrap="square" rtlCol="1">
+            <a:spAutoFit/>
+          </a:bodyPr>
+          <a:lstStyle/>
+          <a:p>
+            <a:pPr marL="285750" indent="-285750">
+              <a:buFont typeface="Arial" panose="020B0604020202020204" pitchFamily="34" charset="0"/>
+              <a:buChar char="•"/>
+            </a:pPr>
+            <a:r>
+              <a:rPr lang="en-US" dirty="0" smtClean="0"/>
+              <a:t>Add </a:t>
+            </a:r>
+            <a:r>
+              <a:rPr lang="en-US" dirty="0" err="1" smtClean="0"/>
+              <a:t>db</a:t>
+            </a:r>
+            <a:r>
+              <a:rPr lang="en-US" dirty="0" smtClean="0"/>
+              <a:t> user</a:t>
+            </a:r>
+          </a:p>
+          <a:p>
+            <a:pPr marL="285750" indent="-285750">
+              <a:buFont typeface="Arial" panose="020B0604020202020204" pitchFamily="34" charset="0"/>
+              <a:buChar char="•"/>
+            </a:pPr>
+            <a:endParaRPr lang="en-US" dirty="0"/>
+          </a:p>
+          <a:p>
+            <a:pPr marL="285750" indent="-285750">
+              <a:buFont typeface="Arial" panose="020B0604020202020204" pitchFamily="34" charset="0"/>
+              <a:buChar char="•"/>
+            </a:pPr>
+            <a:endParaRPr lang="en-US" dirty="0" smtClean="0"/>
+          </a:p>
+          <a:p>
+            <a:pPr marL="285750" indent="-285750">
+              <a:buFont typeface="Arial" panose="020B0604020202020204" pitchFamily="34" charset="0"/>
+              <a:buChar char="•"/>
+            </a:pPr>
+            <a:endParaRPr lang="en-US" dirty="0"/>
+          </a:p>
+          <a:p>
+            <a:pPr marL="285750" indent="-285750">
+              <a:buFont typeface="Arial" panose="020B0604020202020204" pitchFamily="34" charset="0"/>
+              <a:buChar char="•"/>
+            </a:pPr>
+            <a:endParaRPr lang="en-US" dirty="0" smtClean="0"/>
+          </a:p>
+          <a:p>
+            <a:pPr marL="285750" indent="-285750">
+              <a:buFont typeface="Arial" panose="020B0604020202020204" pitchFamily="34" charset="0"/>
+              <a:buChar char="•"/>
+            </a:pPr>
+            <a:endParaRPr lang="en-US" dirty="0"/>
+          </a:p>
+          <a:p>
+            <a:pPr marL="285750" indent="-285750">
+              <a:buFont typeface="Arial" panose="020B0604020202020204" pitchFamily="34" charset="0"/>
+              <a:buChar char="•"/>
+            </a:pPr>
+            <a:endParaRPr lang="en-US" dirty="0" smtClean="0"/>
+          </a:p>
+          <a:p>
+            <a:pPr marL="285750" indent="-285750">
+              <a:buFont typeface="Arial" panose="020B0604020202020204" pitchFamily="34" charset="0"/>
+              <a:buChar char="•"/>
+            </a:pPr>
+            <a:r>
+              <a:rPr lang="en-US" dirty="0" smtClean="0"/>
+              <a:t>In Server, connect to</a:t>
+            </a:r>
+            <a:endParaRPr lang="he-IL" dirty="0"/>
+          </a:p>
+        </p:txBody>
+      </p:sp>
+      <p:pic>
+        <p:nvPicPr>
+          <p:cNvPr id="6" name="Picture 5"/>
+          <p:cNvPicPr>
+            <a:picLocks noChangeAspect="1"/>
+          </p:cNvPicPr>
+          <p:nvPr/>
+        </p:nvPicPr>
+        <p:blipFill>
+          <a:blip r:embed="rId3"/>
+          <a:stretch>
+            <a:fillRect/>
+          </a:stretch>
+        </p:blipFill>
+        <p:spPr>
+          <a:xfrm>
+            <a:off x="4237434" y="3992853"/>
+            <a:ext cx="4543425" cy="523875"/>
+          </a:xfrm>
+          <a:prstGeom prst="rect">
+            <a:avLst/>
+          </a:prstGeom>
+        </p:spPr>
+      </p:pic>
+      <p:pic>
+        <p:nvPicPr>
+          <p:cNvPr id="7" name="Picture 6"/>
+          <p:cNvPicPr>
+            <a:picLocks noChangeAspect="1"/>
+          </p:cNvPicPr>
+          <p:nvPr/>
+        </p:nvPicPr>
+        <p:blipFill>
+          <a:blip r:embed="rId4"/>
+          <a:stretch>
+            <a:fillRect/>
+          </a:stretch>
+        </p:blipFill>
+        <p:spPr>
+          <a:xfrm>
+            <a:off x="810883" y="4902338"/>
+            <a:ext cx="11077575" cy="304800"/>
+          </a:xfrm>
+          <a:prstGeom prst="rect">
+            <a:avLst/>
+          </a:prstGeom>
+        </p:spPr>
+      </p:pic>
+    </p:spTree>
+    <p:extLst>
+      <p:ext uri="{BB962C8B-B14F-4D97-AF65-F5344CB8AC3E}">
+        <p14:creationId xmlns:p14="http://schemas.microsoft.com/office/powerpoint/2010/main" val="725236793"/>
+      </p:ext>
+    </p:extLst>
+  </p:cSld>
+  <p:clrMapOvr>
+    <a:masterClrMapping/>
+  </p:clrMapOvr>
+</p:sld>
+</file>
+
 <file path=ppt/slides/slide2.xml><?xml version="1.0" encoding="utf-8"?>
 <p:sld xmlns:a="http://schemas.openxmlformats.org/drawingml/2006/main" xmlns:r="http://schemas.openxmlformats.org/officeDocument/2006/relationships" xmlns:p="http://schemas.openxmlformats.org/presentationml/2006/main">
   <p:cSld>
@@ -6488,7 +6922,19 @@
           <a:p>
             <a:r>
               <a:rPr lang="en-US" dirty="0" smtClean="0"/>
-              <a:t>Lets use the app file, in app.js we did</a:t>
+              <a:t>Lets use the app file, in </a:t>
+            </a:r>
+            <a:r>
+              <a:rPr lang="en-US" dirty="0" smtClean="0">
+                <a:solidFill>
+                  <a:srgbClr val="92D050"/>
+                </a:solidFill>
+              </a:rPr>
+              <a:t>app.js</a:t>
+            </a:r>
+            <a:r>
+              <a:rPr lang="en-US" dirty="0" smtClean="0"/>
+              <a:t> we did</a:t>
             </a:r>
             <a:endParaRPr lang="he-IL" dirty="0"/>
           </a:p>

--- a/tirgul/Node and azure.pptx
+++ b/tirgul/Node and azure.pptx
@@ -3644,6 +3644,13 @@
   <p:clrMapOvr>
     <a:masterClrMapping/>
   </p:clrMapOvr>
+  <p:timing>
+    <p:tnLst>
+      <p:par>
+        <p:cTn id="1" dur="indefinite" restart="never" nodeType="tmRoot"/>
+      </p:par>
+    </p:tnLst>
+  </p:timing>
 </p:sld>
 </file>
 
@@ -3968,6 +3975,13 @@
   <p:clrMapOvr>
     <a:masterClrMapping/>
   </p:clrMapOvr>
+  <p:timing>
+    <p:tnLst>
+      <p:par>
+        <p:cTn id="1" dur="indefinite" restart="never" nodeType="tmRoot"/>
+      </p:par>
+    </p:tnLst>
+  </p:timing>
 </p:sld>
 </file>
 
@@ -4190,6 +4204,13 @@
   <p:clrMapOvr>
     <a:masterClrMapping/>
   </p:clrMapOvr>
+  <p:timing>
+    <p:tnLst>
+      <p:par>
+        <p:cTn id="1" dur="indefinite" restart="never" nodeType="tmRoot"/>
+      </p:par>
+    </p:tnLst>
+  </p:timing>
 </p:sld>
 </file>
 
@@ -4340,7 +4361,7 @@
         <p:spPr>
           <a:xfrm>
             <a:off x="656705" y="2084832"/>
-            <a:ext cx="7764088" cy="2862322"/>
+            <a:ext cx="7764088" cy="3416320"/>
           </a:xfrm>
           <a:prstGeom prst="rect">
             <a:avLst/>
@@ -4369,7 +4390,7 @@
             <a:r>
               <a:rPr lang="en-US" dirty="0" smtClean="0">
                 <a:solidFill>
-                  <a:srgbClr val="0070C0"/>
+                  <a:srgbClr val="FF0000"/>
                 </a:solidFill>
               </a:rPr>
               <a:t>express</a:t>
@@ -4440,6 +4461,42 @@
             <a:endParaRPr lang="en-US" dirty="0"/>
           </a:p>
           <a:p>
+            <a:r>
+              <a:rPr lang="en-US" dirty="0" smtClean="0"/>
+              <a:t>Running the app:</a:t>
+            </a:r>
+          </a:p>
+          <a:p>
+            <a:r>
+              <a:rPr lang="en-US" dirty="0"/>
+              <a:t>	</a:t>
+            </a:r>
+            <a:r>
+              <a:rPr lang="en-US" dirty="0" smtClean="0"/>
+              <a:t>type </a:t>
+            </a:r>
+            <a:r>
+              <a:rPr lang="en-US" i="1" dirty="0" smtClean="0"/>
+              <a:t>node ./bin/www</a:t>
+            </a:r>
+          </a:p>
+          <a:p>
+            <a:r>
+              <a:rPr lang="en-US" dirty="0" smtClean="0"/>
+              <a:t>(You can also use </a:t>
+            </a:r>
+            <a:r>
+              <a:rPr lang="en-US" dirty="0" err="1" smtClean="0"/>
+              <a:t>package.json</a:t>
+            </a:r>
+            <a:r>
+              <a:rPr lang="en-US" dirty="0" smtClean="0"/>
+              <a:t> to set </a:t>
+            </a:r>
+            <a:r>
+              <a:rPr lang="en-US" smtClean="0"/>
+              <a:t>start command)</a:t>
+            </a:r>
             <a:endParaRPr lang="en-US" dirty="0" smtClean="0"/>
           </a:p>
           <a:p>
@@ -5955,7 +6012,7 @@
             <a:r>
               <a:rPr lang="en-US" sz="1600" dirty="0" err="1" smtClean="0">
                 <a:solidFill>
-                  <a:srgbClr val="FF3399"/>
+                  <a:srgbClr val="FF0000"/>
                 </a:solidFill>
                 <a:latin typeface="Comic Sans MS" panose="030F0702030302020204" pitchFamily="66" charset="0"/>
               </a:rPr>
@@ -7029,6 +7086,13 @@
   <p:clrMapOvr>
     <a:masterClrMapping/>
   </p:clrMapOvr>
+  <p:timing>
+    <p:tnLst>
+      <p:par>
+        <p:cTn id="1" dur="indefinite" restart="never" nodeType="tmRoot"/>
+      </p:par>
+    </p:tnLst>
+  </p:timing>
 </p:sld>
 </file>
 
